--- a/Assets/NYSlides.pptx
+++ b/Assets/NYSlides.pptx
@@ -110,6 +110,11 @@
       </a:defRPr>
     </a:lvl9pPr>
   </p:defaultTextStyle>
+  <p:extLst>
+    <p:ext uri="{EFAFB233-063F-42B5-8137-9DF3F51BA10A}">
+      <p15:sldGuideLst xmlns:p15="http://schemas.microsoft.com/office/powerpoint/2012/main"/>
+    </p:ext>
+  </p:extLst>
 </p:presentation>
 </file>
 
@@ -6076,17 +6081,13 @@
         <p:spPr/>
         <p:txBody>
           <a:bodyPr vert="horz" lIns="91440" tIns="45720" rIns="91440" bIns="45720" rtlCol="0">
-            <a:normAutofit lnSpcReduction="10000"/>
+            <a:normAutofit fontScale="85000" lnSpcReduction="20000"/>
           </a:bodyPr>
           <a:lstStyle/>
           <a:p>
             <a:r>
-              <a:rPr lang="en-US" dirty="0" err="1"/>
-              <a:t>Desription</a:t>
-            </a:r>
-            <a:r>
               <a:rPr lang="en-US" dirty="0"/>
-              <a:t> - </a:t>
+              <a:t>Description - </a:t>
             </a:r>
             <a:r>
               <a:rPr lang="en-US" dirty="0" err="1"/>
@@ -6124,19 +6125,32 @@
           <a:p>
             <a:r>
               <a:rPr lang="en-US" dirty="0"/>
-              <a:t>Motivation for Development </a:t>
-            </a:r>
-          </a:p>
-          <a:p>
+              <a:t>User Story - </a:t>
+            </a:r>
+            <a:r>
+              <a:rPr lang="en-US" dirty="0" err="1"/>
+              <a:t>NamasteYogi</a:t>
+            </a:r>
             <a:r>
               <a:rPr lang="en-US" dirty="0"/>
-              <a:t>User Story</a:t>
-            </a:r>
-          </a:p>
-          <a:p>
+              <a:t> is for the yogi who has just a little too much on </a:t>
+            </a:r>
+            <a:r>
+              <a:rPr lang="en-US" dirty="0" err="1"/>
+              <a:t>thier</a:t>
+            </a:r>
             <a:r>
               <a:rPr lang="en-US" dirty="0"/>
-              <a:t>Concept: What is your user story? What was your motivation for development?</a:t>
+              <a:t> to do list.  Clients input problem areas or share how they are feeling, the app offers yoga postures, meditation, and/or breath work easily incorporated into each day. </a:t>
+            </a:r>
+          </a:p>
+          <a:p>
+            <a:endParaRPr lang="en-US" dirty="0"/>
+          </a:p>
+          <a:p>
+            <a:r>
+              <a:rPr lang="en-US" dirty="0"/>
+              <a:t>Motivation for development – balancing it all is not easy, I think we’re all feeling the crunch.  We wanted to be solution oriented and offer something we could all use…</a:t>
             </a:r>
           </a:p>
           <a:p>
@@ -6221,7 +6235,7 @@
         <p:spPr/>
         <p:txBody>
           <a:bodyPr>
-            <a:normAutofit fontScale="85000" lnSpcReduction="20000"/>
+            <a:normAutofit/>
           </a:bodyPr>
           <a:lstStyle/>
           <a:p>
@@ -6279,23 +6293,25 @@
           <a:p>
             <a:r>
               <a:rPr lang="en-US" dirty="0"/>
-              <a:t>Challenges</a:t>
+              <a:t>Challenges we encountered – APIs…………………..</a:t>
             </a:r>
           </a:p>
           <a:p>
             <a:r>
               <a:rPr lang="en-US" dirty="0"/>
-              <a:t>Successes</a:t>
+              <a:t>Successes – great team work, we learned from </a:t>
+            </a:r>
+            <a:r>
+              <a:rPr lang="en-US" dirty="0" err="1"/>
+              <a:t>eachother</a:t>
+            </a:r>
+            <a:r>
+              <a:rPr lang="en-US" dirty="0"/>
+              <a:t>….</a:t>
             </a:r>
           </a:p>
           <a:p>
             <a:endParaRPr lang="en-US" dirty="0"/>
-          </a:p>
-          <a:p>
-            <a:r>
-              <a:rPr lang="en-US" dirty="0"/>
-              <a:t>* Process: What were the technologies used? How were tasks and roles broken down and assigned? What challenges did you encounter? What were your successes?</a:t>
-            </a:r>
           </a:p>
           <a:p>
             <a:endParaRPr lang="en-US" dirty="0"/>
@@ -6356,8 +6372,8 @@
         </p:nvSpPr>
         <p:spPr>
           <a:xfrm>
-            <a:off x="-1" y="2766218"/>
-            <a:ext cx="12201525" cy="1325563"/>
+            <a:off x="-1" y="123189"/>
+            <a:ext cx="12201525" cy="1134112"/>
           </a:xfrm>
         </p:spPr>
         <p:txBody>
@@ -6372,6 +6388,65 @@
           </a:p>
         </p:txBody>
       </p:sp>
+      <p:pic>
+        <p:nvPicPr>
+          <p:cNvPr id="3" name="Picture 2">
+            <a:extLst>
+              <a:ext uri="{FF2B5EF4-FFF2-40B4-BE49-F238E27FC236}">
+                <a16:creationId xmlns:a16="http://schemas.microsoft.com/office/drawing/2014/main" id="{EECB1CB3-23D0-434B-A522-51B8E3BBC461}"/>
+              </a:ext>
+            </a:extLst>
+          </p:cNvPr>
+          <p:cNvPicPr>
+            <a:picLocks noChangeAspect="1"/>
+          </p:cNvPicPr>
+          <p:nvPr/>
+        </p:nvPicPr>
+        <p:blipFill>
+          <a:blip r:embed="rId2"/>
+          <a:stretch>
+            <a:fillRect/>
+          </a:stretch>
+        </p:blipFill>
+        <p:spPr>
+          <a:xfrm>
+            <a:off x="288369" y="895986"/>
+            <a:ext cx="1709261" cy="3695700"/>
+          </a:xfrm>
+          <a:prstGeom prst="rect">
+            <a:avLst/>
+          </a:prstGeom>
+        </p:spPr>
+      </p:pic>
+      <p:pic>
+        <p:nvPicPr>
+          <p:cNvPr id="5" name="Picture 4">
+            <a:extLst>
+              <a:ext uri="{FF2B5EF4-FFF2-40B4-BE49-F238E27FC236}">
+                <a16:creationId xmlns:a16="http://schemas.microsoft.com/office/drawing/2014/main" id="{02E60B1C-3DE9-4C71-AD5C-9F72E0389F07}"/>
+              </a:ext>
+            </a:extLst>
+          </p:cNvPr>
+          <p:cNvPicPr>
+            <a:picLocks noChangeAspect="1"/>
+          </p:cNvPicPr>
+          <p:nvPr/>
+        </p:nvPicPr>
+        <p:blipFill rotWithShape="1">
+          <a:blip r:embed="rId3"/>
+          <a:srcRect l="1899" r="886" b="1356"/>
+          <a:stretch/>
+        </p:blipFill>
+        <p:spPr>
+          <a:xfrm>
+            <a:off x="2152650" y="1543688"/>
+            <a:ext cx="9925050" cy="4942838"/>
+          </a:xfrm>
+          <a:prstGeom prst="rect">
+            <a:avLst/>
+          </a:prstGeom>
+        </p:spPr>
+      </p:pic>
     </p:spTree>
     <p:extLst>
       <p:ext uri="{BB962C8B-B14F-4D97-AF65-F5344CB8AC3E}">
@@ -6451,6 +6526,59 @@
           <a:bodyPr/>
           <a:lstStyle/>
           <a:p>
+            <a:r>
+              <a:rPr lang="en-US" dirty="0"/>
+              <a:t>Anatomical model with clickable body parts</a:t>
+            </a:r>
+          </a:p>
+          <a:p>
+            <a:pPr lvl="1"/>
+            <a:r>
+              <a:rPr lang="en-US" dirty="0"/>
+              <a:t>Users target problem areas </a:t>
+            </a:r>
+          </a:p>
+          <a:p>
+            <a:pPr lvl="1"/>
+            <a:r>
+              <a:rPr lang="en-US" dirty="0"/>
+              <a:t>Each body section linked to specific poses</a:t>
+            </a:r>
+          </a:p>
+          <a:p>
+            <a:pPr lvl="1"/>
+            <a:r>
+              <a:rPr lang="en-US" dirty="0"/>
+              <a:t>Upon click, series of poses are offered</a:t>
+            </a:r>
+          </a:p>
+          <a:p>
+            <a:r>
+              <a:rPr lang="en-US" dirty="0"/>
+              <a:t>Music library for mediation practice</a:t>
+            </a:r>
+          </a:p>
+          <a:p>
+            <a:r>
+              <a:rPr lang="en-US" dirty="0"/>
+              <a:t>Visual breath queues</a:t>
+            </a:r>
+          </a:p>
+          <a:p>
+            <a:r>
+              <a:rPr lang="en-US" dirty="0"/>
+              <a:t>Essential Oil &amp; Candle Scent </a:t>
+            </a:r>
+            <a:r>
+              <a:rPr lang="en-US" dirty="0" err="1"/>
+              <a:t>Pairin</a:t>
+            </a:r>
+            <a:endParaRPr lang="en-US" dirty="0"/>
+          </a:p>
+          <a:p>
+            <a:pPr marL="0" indent="0">
+              <a:buNone/>
+            </a:pPr>
             <a:endParaRPr lang="en-US" dirty="0"/>
           </a:p>
         </p:txBody>

--- a/Assets/NYSlides.pptx
+++ b/Assets/NYSlides.pptx
@@ -314,7 +314,7 @@
           <a:p>
             <a:fld id="{2A369EBE-48DC-4DBC-B75C-45CA0BD2AAF6}" type="datetimeFigureOut">
               <a:rPr lang="en-US" smtClean="0"/>
-              <a:t>12/29/2020</a:t>
+              <a:t>1/2/2021</a:t>
             </a:fld>
             <a:endParaRPr lang="en-US"/>
           </a:p>
@@ -595,7 +595,7 @@
           <a:p>
             <a:fld id="{2A369EBE-48DC-4DBC-B75C-45CA0BD2AAF6}" type="datetimeFigureOut">
               <a:rPr lang="en-US" smtClean="0"/>
-              <a:t>12/29/2020</a:t>
+              <a:t>1/2/2021</a:t>
             </a:fld>
             <a:endParaRPr lang="en-US"/>
           </a:p>
@@ -787,7 +787,7 @@
           <a:p>
             <a:fld id="{2A369EBE-48DC-4DBC-B75C-45CA0BD2AAF6}" type="datetimeFigureOut">
               <a:rPr lang="en-US" smtClean="0"/>
-              <a:t>12/29/2020</a:t>
+              <a:t>1/2/2021</a:t>
             </a:fld>
             <a:endParaRPr lang="en-US"/>
           </a:p>
@@ -1048,7 +1048,7 @@
           <a:p>
             <a:fld id="{2A369EBE-48DC-4DBC-B75C-45CA0BD2AAF6}" type="datetimeFigureOut">
               <a:rPr lang="en-US" smtClean="0"/>
-              <a:t>12/29/2020</a:t>
+              <a:t>1/2/2021</a:t>
             </a:fld>
             <a:endParaRPr lang="en-US"/>
           </a:p>
@@ -1474,7 +1474,7 @@
           <a:p>
             <a:fld id="{2A369EBE-48DC-4DBC-B75C-45CA0BD2AAF6}" type="datetimeFigureOut">
               <a:rPr lang="en-US" smtClean="0"/>
-              <a:t>12/29/2020</a:t>
+              <a:t>1/2/2021</a:t>
             </a:fld>
             <a:endParaRPr lang="en-US"/>
           </a:p>
@@ -2020,7 +2020,7 @@
           <a:p>
             <a:fld id="{2A369EBE-48DC-4DBC-B75C-45CA0BD2AAF6}" type="datetimeFigureOut">
               <a:rPr lang="en-US" smtClean="0"/>
-              <a:t>12/29/2020</a:t>
+              <a:t>1/2/2021</a:t>
             </a:fld>
             <a:endParaRPr lang="en-US"/>
           </a:p>
@@ -2851,7 +2851,7 @@
           <a:p>
             <a:fld id="{2A369EBE-48DC-4DBC-B75C-45CA0BD2AAF6}" type="datetimeFigureOut">
               <a:rPr lang="en-US" smtClean="0"/>
-              <a:t>12/29/2020</a:t>
+              <a:t>1/2/2021</a:t>
             </a:fld>
             <a:endParaRPr lang="en-US"/>
           </a:p>
@@ -3021,7 +3021,7 @@
           <a:p>
             <a:fld id="{2A369EBE-48DC-4DBC-B75C-45CA0BD2AAF6}" type="datetimeFigureOut">
               <a:rPr lang="en-US" smtClean="0"/>
-              <a:t>12/29/2020</a:t>
+              <a:t>1/2/2021</a:t>
             </a:fld>
             <a:endParaRPr lang="en-US"/>
           </a:p>
@@ -3201,7 +3201,7 @@
           <a:p>
             <a:fld id="{2A369EBE-48DC-4DBC-B75C-45CA0BD2AAF6}" type="datetimeFigureOut">
               <a:rPr lang="en-US" smtClean="0"/>
-              <a:t>12/29/2020</a:t>
+              <a:t>1/2/2021</a:t>
             </a:fld>
             <a:endParaRPr lang="en-US"/>
           </a:p>
@@ -3371,7 +3371,7 @@
           <a:p>
             <a:fld id="{2A369EBE-48DC-4DBC-B75C-45CA0BD2AAF6}" type="datetimeFigureOut">
               <a:rPr lang="en-US" smtClean="0"/>
-              <a:t>12/29/2020</a:t>
+              <a:t>1/2/2021</a:t>
             </a:fld>
             <a:endParaRPr lang="en-US"/>
           </a:p>
@@ -3628,7 +3628,7 @@
           <a:p>
             <a:fld id="{2A369EBE-48DC-4DBC-B75C-45CA0BD2AAF6}" type="datetimeFigureOut">
               <a:rPr lang="en-US" smtClean="0"/>
-              <a:t>12/29/2020</a:t>
+              <a:t>1/2/2021</a:t>
             </a:fld>
             <a:endParaRPr lang="en-US"/>
           </a:p>
@@ -3860,7 +3860,7 @@
           <a:p>
             <a:fld id="{2A369EBE-48DC-4DBC-B75C-45CA0BD2AAF6}" type="datetimeFigureOut">
               <a:rPr lang="en-US" smtClean="0"/>
-              <a:t>12/29/2020</a:t>
+              <a:t>1/2/2021</a:t>
             </a:fld>
             <a:endParaRPr lang="en-US"/>
           </a:p>
@@ -4253,7 +4253,7 @@
           <a:p>
             <a:fld id="{2A369EBE-48DC-4DBC-B75C-45CA0BD2AAF6}" type="datetimeFigureOut">
               <a:rPr lang="en-US" smtClean="0"/>
-              <a:t>12/29/2020</a:t>
+              <a:t>1/2/2021</a:t>
             </a:fld>
             <a:endParaRPr lang="en-US"/>
           </a:p>
@@ -4371,7 +4371,7 @@
           <a:p>
             <a:fld id="{2A369EBE-48DC-4DBC-B75C-45CA0BD2AAF6}" type="datetimeFigureOut">
               <a:rPr lang="en-US" smtClean="0"/>
-              <a:t>12/29/2020</a:t>
+              <a:t>1/2/2021</a:t>
             </a:fld>
             <a:endParaRPr lang="en-US"/>
           </a:p>
@@ -4466,7 +4466,7 @@
           <a:p>
             <a:fld id="{2A369EBE-48DC-4DBC-B75C-45CA0BD2AAF6}" type="datetimeFigureOut">
               <a:rPr lang="en-US" smtClean="0"/>
-              <a:t>12/29/2020</a:t>
+              <a:t>1/2/2021</a:t>
             </a:fld>
             <a:endParaRPr lang="en-US"/>
           </a:p>
@@ -4739,7 +4739,7 @@
           <a:p>
             <a:fld id="{2A369EBE-48DC-4DBC-B75C-45CA0BD2AAF6}" type="datetimeFigureOut">
               <a:rPr lang="en-US" smtClean="0"/>
-              <a:t>12/29/2020</a:t>
+              <a:t>1/2/2021</a:t>
             </a:fld>
             <a:endParaRPr lang="en-US"/>
           </a:p>
@@ -5020,7 +5020,7 @@
           <a:p>
             <a:fld id="{2A369EBE-48DC-4DBC-B75C-45CA0BD2AAF6}" type="datetimeFigureOut">
               <a:rPr lang="en-US" smtClean="0"/>
-              <a:t>12/29/2020</a:t>
+              <a:t>1/2/2021</a:t>
             </a:fld>
             <a:endParaRPr lang="en-US"/>
           </a:p>
@@ -5260,7 +5260,7 @@
           <a:p>
             <a:fld id="{2A369EBE-48DC-4DBC-B75C-45CA0BD2AAF6}" type="datetimeFigureOut">
               <a:rPr lang="en-US" smtClean="0"/>
-              <a:t>12/29/2020</a:t>
+              <a:t>1/2/2021</a:t>
             </a:fld>
             <a:endParaRPr lang="en-US"/>
           </a:p>
@@ -5875,7 +5875,7 @@
         </p:nvSpPr>
         <p:spPr>
           <a:xfrm>
-            <a:off x="1688355" y="2867025"/>
+            <a:off x="6165105" y="3219450"/>
             <a:ext cx="4112370" cy="2724150"/>
           </a:xfrm>
         </p:spPr>
@@ -5999,7 +5999,7 @@
           <a:p>
             <a:r>
               <a:rPr lang="en-US" dirty="0"/>
-              <a:t>* Elevator pitch: a one minute description of your application</a:t>
+              <a:t>Let us tell you why you need this app!</a:t>
             </a:r>
           </a:p>
         </p:txBody>
@@ -6081,13 +6081,16 @@
         <p:spPr/>
         <p:txBody>
           <a:bodyPr vert="horz" lIns="91440" tIns="45720" rIns="91440" bIns="45720" rtlCol="0">
-            <a:normAutofit fontScale="85000" lnSpcReduction="20000"/>
+            <a:normAutofit fontScale="77500" lnSpcReduction="20000"/>
           </a:bodyPr>
           <a:lstStyle/>
           <a:p>
+            <a:pPr marL="0" indent="0">
+              <a:buNone/>
+            </a:pPr>
             <a:r>
               <a:rPr lang="en-US" dirty="0"/>
-              <a:t>Description - </a:t>
+              <a:t>Description:  </a:t>
             </a:r>
             <a:r>
               <a:rPr lang="en-US" dirty="0" err="1"/>
@@ -6109,6 +6112,13 @@
             <a:pPr lvl="1"/>
             <a:r>
               <a:rPr lang="en-US" dirty="0"/>
+              <a:t>Click saved poses to practice again later</a:t>
+            </a:r>
+          </a:p>
+          <a:p>
+            <a:pPr lvl="1"/>
+            <a:r>
+              <a:rPr lang="en-US" dirty="0"/>
               <a:t>Finds a studio near you</a:t>
             </a:r>
           </a:p>
@@ -6123,34 +6133,68 @@
             <a:endParaRPr lang="en-US" dirty="0"/>
           </a:p>
           <a:p>
+            <a:pPr marL="0" indent="0">
+              <a:buNone/>
+            </a:pPr>
             <a:r>
               <a:rPr lang="en-US" dirty="0"/>
-              <a:t>User Story - </a:t>
+              <a:t>User Story:  </a:t>
+            </a:r>
+          </a:p>
+          <a:p>
+            <a:pPr lvl="1"/>
+            <a:r>
+              <a:rPr lang="en-US" dirty="0"/>
+              <a:t>As a overwhelmed human</a:t>
+            </a:r>
+          </a:p>
+          <a:p>
+            <a:pPr lvl="1"/>
+            <a:r>
+              <a:rPr lang="en-US" dirty="0"/>
+              <a:t>I want a quick way to add </a:t>
             </a:r>
             <a:r>
               <a:rPr lang="en-US" dirty="0" err="1"/>
-              <a:t>NamasteYogi</a:t>
+              <a:t>zen</a:t>
             </a:r>
             <a:r>
               <a:rPr lang="en-US" dirty="0"/>
-              <a:t> is for the yogi who has just a little too much on </a:t>
-            </a:r>
-            <a:r>
-              <a:rPr lang="en-US" dirty="0" err="1"/>
-              <a:t>thier</a:t>
-            </a:r>
+              <a:t> to my day</a:t>
+            </a:r>
+          </a:p>
+          <a:p>
+            <a:pPr lvl="1"/>
             <a:r>
               <a:rPr lang="en-US" dirty="0"/>
-              <a:t> to do list.  Clients input problem areas or share how they are feeling, the app offers yoga postures, meditation, and/or breath work easily incorporated into each day. </a:t>
-            </a:r>
-          </a:p>
-          <a:p>
+              <a:t>So that I can recenter</a:t>
+            </a:r>
+          </a:p>
+          <a:p>
+            <a:pPr lvl="1"/>
             <a:endParaRPr lang="en-US" dirty="0"/>
           </a:p>
           <a:p>
+            <a:pPr marL="0" indent="0">
+              <a:buNone/>
+            </a:pPr>
             <a:r>
               <a:rPr lang="en-US" dirty="0"/>
-              <a:t>Motivation for development – balancing it all is not easy, I think we’re all feeling the crunch.  We wanted to be solution oriented and offer something we could all use…</a:t>
+              <a:t>Motivation for Development:</a:t>
+            </a:r>
+          </a:p>
+          <a:p>
+            <a:pPr lvl="1"/>
+            <a:r>
+              <a:rPr lang="en-US" dirty="0"/>
+              <a:t>Offer a consolidated space to cultivate an at home yoga and meditation practice</a:t>
+            </a:r>
+          </a:p>
+          <a:p>
+            <a:pPr lvl="1"/>
+            <a:r>
+              <a:rPr lang="en-US" dirty="0"/>
+              <a:t>Easy access to local studio info</a:t>
             </a:r>
           </a:p>
           <a:p>
@@ -6204,7 +6248,12 @@
             <p:ph type="title"/>
           </p:nvPr>
         </p:nvSpPr>
-        <p:spPr/>
+        <p:spPr>
+          <a:xfrm>
+            <a:off x="609600" y="3175"/>
+            <a:ext cx="10715625" cy="1325563"/>
+          </a:xfrm>
+        </p:spPr>
         <p:txBody>
           <a:bodyPr/>
           <a:lstStyle/>
@@ -6232,31 +6281,457 @@
             <p:ph idx="1"/>
           </p:nvPr>
         </p:nvSpPr>
-        <p:spPr/>
+        <p:spPr>
+          <a:xfrm>
+            <a:off x="6096000" y="1009650"/>
+            <a:ext cx="5786591" cy="5362577"/>
+          </a:xfrm>
+        </p:spPr>
         <p:txBody>
           <a:bodyPr>
-            <a:normAutofit/>
+            <a:normAutofit fontScale="85000" lnSpcReduction="20000"/>
           </a:bodyPr>
           <a:lstStyle/>
           <a:p>
+            <a:pPr marL="0" indent="0">
+              <a:buNone/>
+            </a:pPr>
             <a:r>
               <a:rPr lang="en-US" dirty="0"/>
-              <a:t>Technologies Used</a:t>
+              <a:t>Challenges:</a:t>
             </a:r>
           </a:p>
           <a:p>
             <a:pPr lvl="1"/>
             <a:r>
               <a:rPr lang="en-US" dirty="0"/>
-              <a:t>Two </a:t>
-            </a:r>
+              <a:t>Viable APIs</a:t>
+            </a:r>
+          </a:p>
+          <a:p>
+            <a:pPr lvl="2"/>
+            <a:r>
+              <a:rPr lang="en-US" dirty="0"/>
+              <a:t>Last FM and Spotify would not  play songs</a:t>
+            </a:r>
+          </a:p>
+          <a:p>
+            <a:pPr lvl="2"/>
+            <a:r>
+              <a:rPr lang="en-US" dirty="0"/>
+              <a:t>Lack of Yoga APIs available</a:t>
+            </a:r>
+          </a:p>
+          <a:p>
+            <a:pPr lvl="2"/>
             <a:r>
               <a:rPr lang="en-US" dirty="0" err="1"/>
-              <a:t>serverside</a:t>
+              <a:t>youTube</a:t>
             </a:r>
             <a:r>
               <a:rPr lang="en-US" dirty="0"/>
-              <a:t> APIs</a:t>
+              <a:t> maxed out in plays per day</a:t>
+            </a:r>
+          </a:p>
+          <a:p>
+            <a:pPr lvl="1"/>
+            <a:r>
+              <a:rPr lang="en-US" dirty="0"/>
+              <a:t>API daily limit expended for calls</a:t>
+            </a:r>
+          </a:p>
+          <a:p>
+            <a:pPr lvl="1"/>
+            <a:r>
+              <a:rPr lang="en-US" dirty="0"/>
+              <a:t>Live sharing VSC did not work</a:t>
+            </a:r>
+          </a:p>
+          <a:p>
+            <a:pPr lvl="1"/>
+            <a:r>
+              <a:rPr lang="en-US" dirty="0"/>
+              <a:t>File size caused issue with pushing to GitHub repo</a:t>
+            </a:r>
+          </a:p>
+          <a:p>
+            <a:pPr lvl="1"/>
+            <a:endParaRPr lang="en-US" dirty="0"/>
+          </a:p>
+          <a:p>
+            <a:pPr marL="0" indent="0">
+              <a:buNone/>
+            </a:pPr>
+            <a:r>
+              <a:rPr lang="en-US" dirty="0"/>
+              <a:t>Successes:</a:t>
+            </a:r>
+          </a:p>
+          <a:p>
+            <a:pPr lvl="1"/>
+            <a:r>
+              <a:rPr lang="en-US" dirty="0"/>
+              <a:t>Great team work</a:t>
+            </a:r>
+          </a:p>
+          <a:p>
+            <a:pPr lvl="1"/>
+            <a:r>
+              <a:rPr lang="en-US" dirty="0"/>
+              <a:t>Adaptability</a:t>
+            </a:r>
+          </a:p>
+          <a:p>
+            <a:pPr lvl="1"/>
+            <a:r>
+              <a:rPr lang="en-US" dirty="0"/>
+              <a:t>Realigned our vision because original scope was not realistic for our timeline</a:t>
+            </a:r>
+          </a:p>
+          <a:p>
+            <a:pPr lvl="1"/>
+            <a:r>
+              <a:rPr lang="en-US" dirty="0"/>
+              <a:t>Adjusted implementation based on current skillsets</a:t>
+            </a:r>
+          </a:p>
+          <a:p>
+            <a:pPr lvl="1"/>
+            <a:r>
+              <a:rPr lang="en-US" dirty="0"/>
+              <a:t>Assigned ideas for future development </a:t>
+            </a:r>
+          </a:p>
+          <a:p>
+            <a:pPr lvl="1"/>
+            <a:endParaRPr lang="en-US" dirty="0"/>
+          </a:p>
+          <a:p>
+            <a:pPr lvl="2"/>
+            <a:endParaRPr lang="en-US" dirty="0"/>
+          </a:p>
+          <a:p>
+            <a:endParaRPr lang="en-US" dirty="0"/>
+          </a:p>
+          <a:p>
+            <a:endParaRPr lang="en-US" dirty="0"/>
+          </a:p>
+          <a:p>
+            <a:endParaRPr lang="en-US" dirty="0"/>
+          </a:p>
+          <a:p>
+            <a:endParaRPr lang="en-US" dirty="0"/>
+          </a:p>
+        </p:txBody>
+      </p:sp>
+      <p:sp>
+        <p:nvSpPr>
+          <p:cNvPr id="4" name="Content Placeholder 2">
+            <a:extLst>
+              <a:ext uri="{FF2B5EF4-FFF2-40B4-BE49-F238E27FC236}">
+                <a16:creationId xmlns:a16="http://schemas.microsoft.com/office/drawing/2014/main" id="{DB05CA3E-CDF6-44B0-94D2-20D76D99F925}"/>
+              </a:ext>
+            </a:extLst>
+          </p:cNvPr>
+          <p:cNvSpPr txBox="1">
+            <a:spLocks/>
+          </p:cNvSpPr>
+          <p:nvPr/>
+        </p:nvSpPr>
+        <p:spPr>
+          <a:xfrm>
+            <a:off x="609600" y="1170040"/>
+            <a:ext cx="4953001" cy="5273624"/>
+          </a:xfrm>
+          <a:prstGeom prst="rect">
+            <a:avLst/>
+          </a:prstGeom>
+        </p:spPr>
+        <p:txBody>
+          <a:bodyPr vert="horz" lIns="91440" tIns="45720" rIns="91440" bIns="45720" rtlCol="0">
+            <a:normAutofit fontScale="92500" lnSpcReduction="10000"/>
+          </a:bodyPr>
+          <a:lstStyle>
+            <a:lvl1pPr marL="228600" indent="-228600" algn="l" defTabSz="914400" rtl="0" eaLnBrk="1" latinLnBrk="0" hangingPunct="1">
+              <a:lnSpc>
+                <a:spcPct val="90000"/>
+              </a:lnSpc>
+              <a:spcBef>
+                <a:spcPts val="1000"/>
+              </a:spcBef>
+              <a:buFont typeface="Arial" panose="020B0604020202020204" pitchFamily="34" charset="0"/>
+              <a:buChar char="•"/>
+              <a:defRPr sz="2800" kern="1200">
+                <a:gradFill>
+                  <a:gsLst>
+                    <a:gs pos="34000">
+                      <a:schemeClr val="tx1">
+                        <a:lumMod val="93000"/>
+                      </a:schemeClr>
+                    </a:gs>
+                    <a:gs pos="0">
+                      <a:schemeClr val="bg1">
+                        <a:lumMod val="25000"/>
+                        <a:lumOff val="75000"/>
+                      </a:schemeClr>
+                    </a:gs>
+                    <a:gs pos="100000">
+                      <a:schemeClr val="tx2">
+                        <a:lumMod val="0"/>
+                        <a:lumOff val="100000"/>
+                      </a:schemeClr>
+                    </a:gs>
+                  </a:gsLst>
+                  <a:lin ang="4800000" scaled="0"/>
+                </a:gradFill>
+                <a:latin typeface="+mn-lt"/>
+                <a:ea typeface="+mn-ea"/>
+                <a:cs typeface="+mn-cs"/>
+              </a:defRPr>
+            </a:lvl1pPr>
+            <a:lvl2pPr marL="685800" indent="-228600" algn="l" defTabSz="914400" rtl="0" eaLnBrk="1" latinLnBrk="0" hangingPunct="1">
+              <a:lnSpc>
+                <a:spcPct val="90000"/>
+              </a:lnSpc>
+              <a:spcBef>
+                <a:spcPts val="500"/>
+              </a:spcBef>
+              <a:buFont typeface="Arial" panose="020B0604020202020204" pitchFamily="34" charset="0"/>
+              <a:buChar char="•"/>
+              <a:defRPr sz="2400" kern="1200">
+                <a:gradFill>
+                  <a:gsLst>
+                    <a:gs pos="34000">
+                      <a:schemeClr val="tx1">
+                        <a:lumMod val="93000"/>
+                      </a:schemeClr>
+                    </a:gs>
+                    <a:gs pos="0">
+                      <a:schemeClr val="bg1">
+                        <a:lumMod val="25000"/>
+                        <a:lumOff val="75000"/>
+                      </a:schemeClr>
+                    </a:gs>
+                    <a:gs pos="100000">
+                      <a:schemeClr val="tx2">
+                        <a:lumMod val="0"/>
+                        <a:lumOff val="100000"/>
+                      </a:schemeClr>
+                    </a:gs>
+                  </a:gsLst>
+                  <a:lin ang="4800000" scaled="0"/>
+                </a:gradFill>
+                <a:latin typeface="+mn-lt"/>
+                <a:ea typeface="+mn-ea"/>
+                <a:cs typeface="+mn-cs"/>
+              </a:defRPr>
+            </a:lvl2pPr>
+            <a:lvl3pPr marL="1143000" indent="-228600" algn="l" defTabSz="914400" rtl="0" eaLnBrk="1" latinLnBrk="0" hangingPunct="1">
+              <a:lnSpc>
+                <a:spcPct val="90000"/>
+              </a:lnSpc>
+              <a:spcBef>
+                <a:spcPts val="500"/>
+              </a:spcBef>
+              <a:buFont typeface="Arial" panose="020B0604020202020204" pitchFamily="34" charset="0"/>
+              <a:buChar char="•"/>
+              <a:defRPr sz="2000" kern="1200">
+                <a:gradFill>
+                  <a:gsLst>
+                    <a:gs pos="34000">
+                      <a:schemeClr val="tx1">
+                        <a:lumMod val="93000"/>
+                      </a:schemeClr>
+                    </a:gs>
+                    <a:gs pos="0">
+                      <a:schemeClr val="bg1">
+                        <a:lumMod val="25000"/>
+                        <a:lumOff val="75000"/>
+                      </a:schemeClr>
+                    </a:gs>
+                    <a:gs pos="100000">
+                      <a:schemeClr val="tx2">
+                        <a:lumMod val="0"/>
+                        <a:lumOff val="100000"/>
+                      </a:schemeClr>
+                    </a:gs>
+                  </a:gsLst>
+                  <a:lin ang="4800000" scaled="0"/>
+                </a:gradFill>
+                <a:latin typeface="+mn-lt"/>
+                <a:ea typeface="+mn-ea"/>
+                <a:cs typeface="+mn-cs"/>
+              </a:defRPr>
+            </a:lvl3pPr>
+            <a:lvl4pPr marL="1600200" indent="-228600" algn="l" defTabSz="914400" rtl="0" eaLnBrk="1" latinLnBrk="0" hangingPunct="1">
+              <a:lnSpc>
+                <a:spcPct val="90000"/>
+              </a:lnSpc>
+              <a:spcBef>
+                <a:spcPts val="500"/>
+              </a:spcBef>
+              <a:buFont typeface="Arial" panose="020B0604020202020204" pitchFamily="34" charset="0"/>
+              <a:buChar char="•"/>
+              <a:defRPr sz="1800" kern="1200">
+                <a:gradFill>
+                  <a:gsLst>
+                    <a:gs pos="34000">
+                      <a:schemeClr val="tx1">
+                        <a:lumMod val="93000"/>
+                      </a:schemeClr>
+                    </a:gs>
+                    <a:gs pos="0">
+                      <a:schemeClr val="bg1">
+                        <a:lumMod val="25000"/>
+                        <a:lumOff val="75000"/>
+                      </a:schemeClr>
+                    </a:gs>
+                    <a:gs pos="100000">
+                      <a:schemeClr val="tx2">
+                        <a:lumMod val="0"/>
+                        <a:lumOff val="100000"/>
+                      </a:schemeClr>
+                    </a:gs>
+                  </a:gsLst>
+                  <a:lin ang="4800000" scaled="0"/>
+                </a:gradFill>
+                <a:latin typeface="+mn-lt"/>
+                <a:ea typeface="+mn-ea"/>
+                <a:cs typeface="+mn-cs"/>
+              </a:defRPr>
+            </a:lvl4pPr>
+            <a:lvl5pPr marL="2057400" indent="-228600" algn="l" defTabSz="914400" rtl="0" eaLnBrk="1" latinLnBrk="0" hangingPunct="1">
+              <a:lnSpc>
+                <a:spcPct val="90000"/>
+              </a:lnSpc>
+              <a:spcBef>
+                <a:spcPts val="500"/>
+              </a:spcBef>
+              <a:buFont typeface="Arial" panose="020B0604020202020204" pitchFamily="34" charset="0"/>
+              <a:buChar char="•"/>
+              <a:defRPr sz="1800" kern="1200">
+                <a:gradFill>
+                  <a:gsLst>
+                    <a:gs pos="34000">
+                      <a:schemeClr val="tx1">
+                        <a:lumMod val="93000"/>
+                      </a:schemeClr>
+                    </a:gs>
+                    <a:gs pos="0">
+                      <a:schemeClr val="bg1">
+                        <a:lumMod val="25000"/>
+                        <a:lumOff val="75000"/>
+                      </a:schemeClr>
+                    </a:gs>
+                    <a:gs pos="100000">
+                      <a:schemeClr val="tx2">
+                        <a:lumMod val="0"/>
+                        <a:lumOff val="100000"/>
+                      </a:schemeClr>
+                    </a:gs>
+                  </a:gsLst>
+                  <a:lin ang="4800000" scaled="0"/>
+                </a:gradFill>
+                <a:latin typeface="+mn-lt"/>
+                <a:ea typeface="+mn-ea"/>
+                <a:cs typeface="+mn-cs"/>
+              </a:defRPr>
+            </a:lvl5pPr>
+            <a:lvl6pPr marL="2514600" indent="-228600" algn="l" defTabSz="914400" rtl="0" eaLnBrk="1" latinLnBrk="0" hangingPunct="1">
+              <a:lnSpc>
+                <a:spcPct val="90000"/>
+              </a:lnSpc>
+              <a:spcBef>
+                <a:spcPts val="500"/>
+              </a:spcBef>
+              <a:buFont typeface="Arial" panose="020B0604020202020204" pitchFamily="34" charset="0"/>
+              <a:buChar char="•"/>
+              <a:defRPr sz="1800" kern="1200">
+                <a:solidFill>
+                  <a:schemeClr val="tx1"/>
+                </a:solidFill>
+                <a:latin typeface="+mn-lt"/>
+                <a:ea typeface="+mn-ea"/>
+                <a:cs typeface="+mn-cs"/>
+              </a:defRPr>
+            </a:lvl6pPr>
+            <a:lvl7pPr marL="2971800" indent="-228600" algn="l" defTabSz="914400" rtl="0" eaLnBrk="1" latinLnBrk="0" hangingPunct="1">
+              <a:lnSpc>
+                <a:spcPct val="90000"/>
+              </a:lnSpc>
+              <a:spcBef>
+                <a:spcPts val="500"/>
+              </a:spcBef>
+              <a:buFont typeface="Arial" panose="020B0604020202020204" pitchFamily="34" charset="0"/>
+              <a:buChar char="•"/>
+              <a:defRPr sz="1800" kern="1200">
+                <a:solidFill>
+                  <a:schemeClr val="tx1"/>
+                </a:solidFill>
+                <a:latin typeface="+mn-lt"/>
+                <a:ea typeface="+mn-ea"/>
+                <a:cs typeface="+mn-cs"/>
+              </a:defRPr>
+            </a:lvl7pPr>
+            <a:lvl8pPr marL="3429000" indent="-228600" algn="l" defTabSz="914400" rtl="0" eaLnBrk="1" latinLnBrk="0" hangingPunct="1">
+              <a:lnSpc>
+                <a:spcPct val="90000"/>
+              </a:lnSpc>
+              <a:spcBef>
+                <a:spcPts val="500"/>
+              </a:spcBef>
+              <a:buFont typeface="Arial" panose="020B0604020202020204" pitchFamily="34" charset="0"/>
+              <a:buChar char="•"/>
+              <a:defRPr sz="1800" kern="1200">
+                <a:solidFill>
+                  <a:schemeClr val="tx1"/>
+                </a:solidFill>
+                <a:latin typeface="+mn-lt"/>
+                <a:ea typeface="+mn-ea"/>
+                <a:cs typeface="+mn-cs"/>
+              </a:defRPr>
+            </a:lvl8pPr>
+            <a:lvl9pPr marL="3886200" indent="-228600" algn="l" defTabSz="914400" rtl="0" eaLnBrk="1" latinLnBrk="0" hangingPunct="1">
+              <a:lnSpc>
+                <a:spcPct val="90000"/>
+              </a:lnSpc>
+              <a:spcBef>
+                <a:spcPts val="500"/>
+              </a:spcBef>
+              <a:buFont typeface="Arial" panose="020B0604020202020204" pitchFamily="34" charset="0"/>
+              <a:buChar char="•"/>
+              <a:defRPr sz="1800" kern="1200">
+                <a:solidFill>
+                  <a:schemeClr val="tx1"/>
+                </a:solidFill>
+                <a:latin typeface="+mn-lt"/>
+                <a:ea typeface="+mn-ea"/>
+                <a:cs typeface="+mn-cs"/>
+              </a:defRPr>
+            </a:lvl9pPr>
+          </a:lstStyle>
+          <a:p>
+            <a:pPr marL="0" indent="0">
+              <a:buFont typeface="Arial" panose="020B0604020202020204" pitchFamily="34" charset="0"/>
+              <a:buNone/>
+            </a:pPr>
+            <a:r>
+              <a:rPr lang="en-US" dirty="0"/>
+              <a:t>Technologies Used:</a:t>
+            </a:r>
+          </a:p>
+          <a:p>
+            <a:pPr lvl="1"/>
+            <a:r>
+              <a:rPr lang="en-US" dirty="0"/>
+              <a:t>HTML, jQuery, JavaScript, CSS</a:t>
+            </a:r>
+          </a:p>
+          <a:p>
+            <a:pPr lvl="1"/>
+            <a:r>
+              <a:rPr lang="en-US" dirty="0"/>
+              <a:t>Two server side APIs</a:t>
             </a:r>
           </a:p>
           <a:p>
@@ -6285,30 +6760,59 @@
             <a:endParaRPr lang="en-US" dirty="0"/>
           </a:p>
           <a:p>
+            <a:pPr marL="0" indent="0">
+              <a:buFont typeface="Arial" panose="020B0604020202020204" pitchFamily="34" charset="0"/>
+              <a:buNone/>
+            </a:pPr>
             <a:r>
               <a:rPr lang="en-US" dirty="0"/>
-              <a:t>Breakdown of tasks and roles</a:t>
-            </a:r>
-          </a:p>
-          <a:p>
+              <a:t>Tasks/Roles:</a:t>
+            </a:r>
+          </a:p>
+          <a:p>
+            <a:pPr lvl="1"/>
             <a:r>
               <a:rPr lang="en-US" dirty="0"/>
-              <a:t>Challenges we encountered – APIs…………………..</a:t>
-            </a:r>
-          </a:p>
-          <a:p>
+              <a:t>Identified project scope</a:t>
+            </a:r>
+          </a:p>
+          <a:p>
+            <a:pPr lvl="1"/>
             <a:r>
               <a:rPr lang="en-US" dirty="0"/>
-              <a:t>Successes – great team work, we learned from </a:t>
-            </a:r>
-            <a:r>
-              <a:rPr lang="en-US" dirty="0" err="1"/>
-              <a:t>eachother</a:t>
-            </a:r>
+              <a:t>Searched for viable APIs</a:t>
+            </a:r>
+          </a:p>
+          <a:p>
+            <a:pPr lvl="1"/>
             <a:r>
               <a:rPr lang="en-US" dirty="0"/>
-              <a:t>….</a:t>
-            </a:r>
+              <a:t>Outlined the layout of the app</a:t>
+            </a:r>
+          </a:p>
+          <a:p>
+            <a:pPr lvl="1"/>
+            <a:r>
+              <a:rPr lang="en-US" dirty="0"/>
+              <a:t>Pseudocode ideas and functionality</a:t>
+            </a:r>
+          </a:p>
+          <a:p>
+            <a:pPr lvl="1"/>
+            <a:r>
+              <a:rPr lang="en-US" dirty="0"/>
+              <a:t>Worked together to discuss and research as a group during class time</a:t>
+            </a:r>
+          </a:p>
+          <a:p>
+            <a:pPr marL="457200" lvl="1" indent="0">
+              <a:buNone/>
+            </a:pPr>
+            <a:endParaRPr lang="en-US" dirty="0"/>
+          </a:p>
+          <a:p>
+            <a:pPr lvl="2"/>
+            <a:endParaRPr lang="en-US" dirty="0"/>
           </a:p>
           <a:p>
             <a:endParaRPr lang="en-US" dirty="0"/>
@@ -6561,18 +7065,28 @@
           <a:p>
             <a:r>
               <a:rPr lang="en-US" dirty="0"/>
+              <a:t>Music linked to specific poses</a:t>
+            </a:r>
+          </a:p>
+          <a:p>
+            <a:r>
+              <a:rPr lang="en-US" dirty="0"/>
               <a:t>Visual breath queues</a:t>
             </a:r>
           </a:p>
           <a:p>
             <a:r>
               <a:rPr lang="en-US" dirty="0"/>
-              <a:t>Essential Oil &amp; Candle Scent </a:t>
-            </a:r>
-            <a:r>
-              <a:rPr lang="en-US" dirty="0" err="1"/>
-              <a:t>Pairin</a:t>
-            </a:r>
+              <a:t>Essential Oil &amp; Candle Scent Pairing</a:t>
+            </a:r>
+          </a:p>
+          <a:p>
+            <a:r>
+              <a:rPr lang="en-US" dirty="0"/>
+              <a:t>Yoga Search – yield more than one option to pick from</a:t>
+            </a:r>
+          </a:p>
+          <a:p>
             <a:endParaRPr lang="en-US" dirty="0"/>
           </a:p>
           <a:p>
@@ -6629,14 +7143,19 @@
             <p:ph type="title"/>
           </p:nvPr>
         </p:nvSpPr>
-        <p:spPr/>
+        <p:spPr>
+          <a:xfrm>
+            <a:off x="428625" y="203200"/>
+            <a:ext cx="10515600" cy="1325563"/>
+          </a:xfrm>
+        </p:spPr>
         <p:txBody>
           <a:bodyPr/>
           <a:lstStyle/>
           <a:p>
             <a:r>
               <a:rPr lang="en-US" dirty="0"/>
-              <a:t>Links</a:t>
+              <a:t>Check Us Out</a:t>
             </a:r>
           </a:p>
         </p:txBody>
@@ -6657,11 +7176,19 @@
             <p:ph idx="1"/>
           </p:nvPr>
         </p:nvSpPr>
-        <p:spPr/>
-        <p:txBody>
-          <a:bodyPr/>
-          <a:lstStyle/>
-          <a:p>
+        <p:spPr>
+          <a:xfrm>
+            <a:off x="428625" y="1825625"/>
+            <a:ext cx="10925175" cy="4351338"/>
+          </a:xfrm>
+        </p:spPr>
+        <p:txBody>
+          <a:bodyPr/>
+          <a:lstStyle/>
+          <a:p>
+            <a:pPr marL="0" indent="0">
+              <a:buNone/>
+            </a:pPr>
             <a:r>
               <a:rPr lang="en-US" dirty="0"/>
               <a:t>Deployed Site - </a:t>
@@ -6678,6 +7205,9 @@
             <a:endParaRPr lang="en-US" dirty="0"/>
           </a:p>
           <a:p>
+            <a:pPr marL="0" indent="0">
+              <a:buNone/>
+            </a:pPr>
             <a:r>
               <a:rPr lang="en-US" dirty="0"/>
               <a:t>GitHub Repo - </a:t>
